--- a/interview/PersonalIntroduction.pptx
+++ b/interview/PersonalIntroduction.pptx
@@ -11,9 +11,9 @@
     <p:sldId id="256" r:id="rId3"/>
     <p:sldId id="257" r:id="rId4"/>
     <p:sldId id="260" r:id="rId5"/>
-    <p:sldId id="276" r:id="rId6"/>
-    <p:sldId id="277" r:id="rId7"/>
-    <p:sldId id="278" r:id="rId8"/>
+    <p:sldId id="281" r:id="rId6"/>
+    <p:sldId id="276" r:id="rId7"/>
+    <p:sldId id="277" r:id="rId8"/>
     <p:sldId id="259" r:id="rId9"/>
   </p:sldIdLst>
   <p:sldSz cx="12192000" cy="6858000"/>
@@ -3856,7 +3856,7 @@
                 <a:ea typeface="华文中宋" panose="02010600040101010101" pitchFamily="2" charset="-122"/>
                 <a:cs typeface="Times New Roman" panose="02020603050405020304" charset="0"/>
               </a:rPr>
-              <a:t>Kaifeng, Henan Province </a:t>
+              <a:t>Kaifeng City,  Henan Province </a:t>
             </a:r>
             <a:endParaRPr lang="en-US" altLang="zh-CN" sz="2400" b="1" dirty="0">
               <a:latin typeface="Times New Roman" panose="02020603050405020304" charset="0"/>
@@ -4272,22 +4272,14 @@
               </a:lnSpc>
             </a:pPr>
             <a:r>
-              <a:rPr lang="en-US" altLang="zh-CN" sz="2400" b="1" dirty="0">
-                <a:latin typeface="Times New Roman" panose="02020603050405020304" charset="0"/>
-                <a:ea typeface="华文中宋" panose="02010600040101010101" pitchFamily="2" charset="-122"/>
-                <a:cs typeface="Times New Roman" panose="02020603050405020304" charset="0"/>
-              </a:rPr>
-              <a:t>Graduated School: </a:t>
-            </a:r>
-            <a:r>
-              <a:rPr lang="en-US" altLang="zh-CN" sz="2400" b="1" dirty="0">
+              <a:rPr lang="en-US" altLang="zh-CN" sz="2000" b="1" dirty="0">
                 <a:latin typeface="Times New Roman" panose="02020603050405020304" charset="0"/>
                 <a:ea typeface="华文中宋" panose="02010600040101010101" pitchFamily="2" charset="-122"/>
                 <a:cs typeface="Times New Roman" panose="02020603050405020304" charset="0"/>
               </a:rPr>
               <a:t>Tianjin Agricultural University (2015 - 2019)</a:t>
             </a:r>
-            <a:endParaRPr lang="en-US" altLang="zh-CN" sz="2400" b="1" dirty="0">
+            <a:endParaRPr lang="en-US" altLang="zh-CN" sz="2000" b="1" dirty="0">
               <a:latin typeface="Times New Roman" panose="02020603050405020304" charset="0"/>
               <a:ea typeface="华文中宋" panose="02010600040101010101" pitchFamily="2" charset="-122"/>
               <a:cs typeface="Times New Roman" panose="02020603050405020304" charset="0"/>
@@ -4300,14 +4292,14 @@
               </a:lnSpc>
             </a:pPr>
             <a:r>
-              <a:rPr lang="en-US" altLang="zh-CN" sz="2400" b="1" dirty="0">
+              <a:rPr lang="en-US" altLang="zh-CN" sz="2000" b="1" dirty="0">
                 <a:latin typeface="Times New Roman" panose="02020603050405020304" charset="0"/>
                 <a:ea typeface="华文中宋" panose="02010600040101010101" pitchFamily="2" charset="-122"/>
                 <a:cs typeface="Times New Roman" panose="02020603050405020304" charset="0"/>
               </a:rPr>
-              <a:t>Honors: </a:t>
-            </a:r>
-            <a:endParaRPr lang="en-US" altLang="zh-CN" sz="2400" b="1" dirty="0">
+              <a:t>Internet Of  Things Engineering</a:t>
+            </a:r>
+            <a:endParaRPr lang="en-US" altLang="zh-CN" sz="2000" b="1" dirty="0">
               <a:latin typeface="Times New Roman" panose="02020603050405020304" charset="0"/>
               <a:ea typeface="华文中宋" panose="02010600040101010101" pitchFamily="2" charset="-122"/>
               <a:cs typeface="Times New Roman" panose="02020603050405020304" charset="0"/>
@@ -4320,17 +4312,47 @@
               </a:lnSpc>
             </a:pPr>
             <a:r>
+              <a:rPr lang="en-US" altLang="zh-CN" sz="2000" b="1" dirty="0">
+                <a:latin typeface="Times New Roman" panose="02020603050405020304" charset="0"/>
+                <a:ea typeface="华文中宋" panose="02010600040101010101" pitchFamily="2" charset="-122"/>
+                <a:cs typeface="Times New Roman" panose="02020603050405020304" charset="0"/>
+              </a:rPr>
+              <a:t>Major courses :</a:t>
+            </a:r>
+            <a:endParaRPr lang="en-US" altLang="zh-CN" sz="2000" b="1" dirty="0">
+              <a:latin typeface="Times New Roman" panose="02020603050405020304" charset="0"/>
+              <a:ea typeface="华文中宋" panose="02010600040101010101" pitchFamily="2" charset="-122"/>
+              <a:cs typeface="Times New Roman" panose="02020603050405020304" charset="0"/>
+            </a:endParaRPr>
+          </a:p>
+          <a:p>
+            <a:pPr fontAlgn="auto">
+              <a:lnSpc>
+                <a:spcPct val="200000"/>
+              </a:lnSpc>
+            </a:pPr>
+            <a:r>
               <a:rPr lang="en-US" altLang="zh-CN" sz="1600" b="1" dirty="0">
                 <a:latin typeface="Times New Roman" panose="02020603050405020304" charset="0"/>
                 <a:ea typeface="华文中宋" panose="02010600040101010101" pitchFamily="2" charset="-122"/>
                 <a:cs typeface="Times New Roman" panose="02020603050405020304" charset="0"/>
               </a:rPr>
-              <a:t>the first prize in the North China Division of the 2017 National Undergraduate IOT Design Competition</a:t>
+              <a:t>Operating System,  Computer Organization and Design,  </a:t>
+            </a:r>
+            <a:r>
+              <a:rPr lang="en-US" altLang="zh-CN" sz="1600" b="1" dirty="0">
+                <a:latin typeface="Times New Roman" panose="02020603050405020304" charset="0"/>
+                <a:ea typeface="华文中宋" panose="02010600040101010101" pitchFamily="2" charset="-122"/>
+                <a:cs typeface="Times New Roman" panose="02020603050405020304" charset="0"/>
+                <a:sym typeface="+mn-ea"/>
+              </a:rPr>
+              <a:t>Computer  Networks,  Data Structure</a:t>
             </a:r>
             <a:endParaRPr lang="en-US" altLang="zh-CN" sz="1600" b="1" dirty="0">
               <a:latin typeface="Times New Roman" panose="02020603050405020304" charset="0"/>
               <a:ea typeface="华文中宋" panose="02010600040101010101" pitchFamily="2" charset="-122"/>
               <a:cs typeface="Times New Roman" panose="02020603050405020304" charset="0"/>
+              <a:sym typeface="+mn-ea"/>
             </a:endParaRPr>
           </a:p>
           <a:p>
@@ -4344,13 +4366,15 @@
                 <a:latin typeface="Times New Roman" panose="02020603050405020304" charset="0"/>
                 <a:ea typeface="华文中宋" panose="02010600040101010101" pitchFamily="2" charset="-122"/>
                 <a:cs typeface="Times New Roman" panose="02020603050405020304" charset="0"/>
+                <a:sym typeface="+mn-ea"/>
               </a:rPr>
-              <a:t>the second prize in the 2017 Tianjin Undergraduate IOT Innovation and Application Design Competition</a:t>
+              <a:t>IoT Architecture,  Intelligent Information Processing, etc ...</a:t>
             </a:r>
             <a:endParaRPr lang="en-US" altLang="zh-CN" sz="1600" b="1" dirty="0">
               <a:latin typeface="Times New Roman" panose="02020603050405020304" charset="0"/>
               <a:ea typeface="华文中宋" panose="02010600040101010101" pitchFamily="2" charset="-122"/>
               <a:cs typeface="Times New Roman" panose="02020603050405020304" charset="0"/>
+              <a:sym typeface="+mn-ea"/>
             </a:endParaRPr>
           </a:p>
           <a:p>
@@ -4365,124 +4389,8 @@
                 <a:ea typeface="华文中宋" panose="02010600040101010101" pitchFamily="2" charset="-122"/>
                 <a:cs typeface="Times New Roman" panose="02020603050405020304" charset="0"/>
               </a:rPr>
-              <a:t>the National Tianjin Undergraduate Award Innovation and Training Program</a:t>
-            </a:r>
-            <a:endParaRPr lang="en-US" altLang="zh-CN" sz="1600" b="1" dirty="0">
-              <a:latin typeface="Times New Roman" panose="02020603050405020304" charset="0"/>
-              <a:ea typeface="华文中宋" panose="02010600040101010101" pitchFamily="2" charset="-122"/>
-              <a:cs typeface="Times New Roman" panose="02020603050405020304" charset="0"/>
-            </a:endParaRPr>
-          </a:p>
-          <a:p>
-            <a:pPr fontAlgn="auto">
-              <a:lnSpc>
-                <a:spcPct val="200000"/>
-              </a:lnSpc>
-            </a:pPr>
-            <a:r>
-              <a:rPr lang="en-US" altLang="zh-CN" sz="1600" b="1" dirty="0">
-                <a:latin typeface="Times New Roman" panose="02020603050405020304" charset="0"/>
-                <a:ea typeface="华文中宋" panose="02010600040101010101" pitchFamily="2" charset="-122"/>
-                <a:cs typeface="Times New Roman" panose="02020603050405020304" charset="0"/>
-              </a:rPr>
-              <a:t>published an article in the journal </a:t>
-            </a:r>
-            <a:r>
-              <a:rPr lang="zh-CN" altLang="en-US" sz="1600" b="1" dirty="0">
-                <a:latin typeface="Times New Roman" panose="02020603050405020304" charset="0"/>
-                <a:ea typeface="华文中宋" panose="02010600040101010101" pitchFamily="2" charset="-122"/>
-                <a:cs typeface="Times New Roman" panose="02020603050405020304" charset="0"/>
-              </a:rPr>
-              <a:t>《</a:t>
-            </a:r>
-            <a:r>
-              <a:rPr lang="en-US" altLang="zh-CN" sz="1600" b="1" dirty="0">
-                <a:latin typeface="Times New Roman" panose="02020603050405020304" charset="0"/>
-                <a:ea typeface="华文中宋" panose="02010600040101010101" pitchFamily="2" charset="-122"/>
-                <a:cs typeface="Times New Roman" panose="02020603050405020304" charset="0"/>
-              </a:rPr>
-              <a:t>Agricultural Technology and Equipment</a:t>
-            </a:r>
-            <a:r>
-              <a:rPr lang="zh-CN" altLang="en-US" sz="1600" b="1" dirty="0">
-                <a:latin typeface="Times New Roman" panose="02020603050405020304" charset="0"/>
-                <a:ea typeface="华文中宋" panose="02010600040101010101" pitchFamily="2" charset="-122"/>
-                <a:cs typeface="Times New Roman" panose="02020603050405020304" charset="0"/>
-              </a:rPr>
-              <a:t>》</a:t>
-            </a:r>
-            <a:endParaRPr lang="zh-CN" altLang="en-US" sz="1600" b="1" dirty="0">
-              <a:latin typeface="Times New Roman" panose="02020603050405020304" charset="0"/>
-              <a:ea typeface="华文中宋" panose="02010600040101010101" pitchFamily="2" charset="-122"/>
-              <a:cs typeface="Times New Roman" panose="02020603050405020304" charset="0"/>
-            </a:endParaRPr>
-          </a:p>
-          <a:p>
-            <a:pPr fontAlgn="auto">
-              <a:lnSpc>
-                <a:spcPct val="200000"/>
-              </a:lnSpc>
-            </a:pPr>
-            <a:r>
-              <a:rPr lang="en-US" altLang="zh-CN" sz="1600" b="1" dirty="0">
-                <a:latin typeface="Times New Roman" panose="02020603050405020304" charset="0"/>
-                <a:ea typeface="华文中宋" panose="02010600040101010101" pitchFamily="2" charset="-122"/>
-                <a:cs typeface="Times New Roman" panose="02020603050405020304" charset="0"/>
-              </a:rPr>
-              <a:t>s</a:t>
-            </a:r>
-            <a:r>
-              <a:rPr lang="zh-CN" altLang="en-US" sz="1600" b="1" dirty="0">
-                <a:latin typeface="Times New Roman" panose="02020603050405020304" charset="0"/>
-                <a:ea typeface="华文中宋" panose="02010600040101010101" pitchFamily="2" charset="-122"/>
-                <a:cs typeface="Times New Roman" panose="02020603050405020304" charset="0"/>
-              </a:rPr>
-              <a:t>chool </a:t>
-            </a:r>
-            <a:r>
-              <a:rPr lang="en-US" altLang="zh-CN" sz="1600" b="1" dirty="0">
-                <a:latin typeface="Times New Roman" panose="02020603050405020304" charset="0"/>
-                <a:ea typeface="华文中宋" panose="02010600040101010101" pitchFamily="2" charset="-122"/>
-                <a:cs typeface="Times New Roman" panose="02020603050405020304" charset="0"/>
-              </a:rPr>
-              <a:t>e</a:t>
-            </a:r>
-            <a:r>
-              <a:rPr lang="zh-CN" altLang="en-US" sz="1600" b="1" dirty="0">
-                <a:latin typeface="Times New Roman" panose="02020603050405020304" charset="0"/>
-                <a:ea typeface="华文中宋" panose="02010600040101010101" pitchFamily="2" charset="-122"/>
-                <a:cs typeface="Times New Roman" panose="02020603050405020304" charset="0"/>
-              </a:rPr>
-              <a:t>xcellence </a:t>
-            </a:r>
-            <a:r>
-              <a:rPr lang="en-US" altLang="zh-CN" sz="1600" b="1" dirty="0">
-                <a:latin typeface="Times New Roman" panose="02020603050405020304" charset="0"/>
-                <a:ea typeface="华文中宋" panose="02010600040101010101" pitchFamily="2" charset="-122"/>
-                <a:cs typeface="Times New Roman" panose="02020603050405020304" charset="0"/>
-              </a:rPr>
-              <a:t>s</a:t>
-            </a:r>
-            <a:r>
-              <a:rPr lang="zh-CN" altLang="en-US" sz="1600" b="1" dirty="0">
-                <a:latin typeface="Times New Roman" panose="02020603050405020304" charset="0"/>
-                <a:ea typeface="华文中宋" panose="02010600040101010101" pitchFamily="2" charset="-122"/>
-                <a:cs typeface="Times New Roman" panose="02020603050405020304" charset="0"/>
-              </a:rPr>
-              <a:t>cholarship</a:t>
-            </a:r>
-            <a:endParaRPr lang="zh-CN" altLang="en-US" sz="1600" b="1" dirty="0">
-              <a:latin typeface="Times New Roman" panose="02020603050405020304" charset="0"/>
-              <a:ea typeface="华文中宋" panose="02010600040101010101" pitchFamily="2" charset="-122"/>
-              <a:cs typeface="Times New Roman" panose="02020603050405020304" charset="0"/>
-            </a:endParaRPr>
-          </a:p>
-          <a:p>
-            <a:pPr fontAlgn="auto">
-              <a:lnSpc>
-                <a:spcPct val="200000"/>
-              </a:lnSpc>
-            </a:pPr>
+              <a:t> </a:t>
+            </a:r>
             <a:endParaRPr lang="en-US" altLang="zh-CN" sz="1600" b="1" dirty="0">
               <a:latin typeface="Times New Roman" panose="02020603050405020304" charset="0"/>
               <a:ea typeface="华文中宋" panose="02010600040101010101" pitchFamily="2" charset="-122"/>
@@ -4962,15 +4870,7 @@
                 <a:ea typeface="华文中宋" panose="02010600040101010101" pitchFamily="2" charset="-122"/>
                 <a:cs typeface="Times New Roman" panose="02020603050405020304" charset="0"/>
               </a:rPr>
-              <a:t>Company: Fabu</a:t>
-            </a:r>
-            <a:r>
-              <a:rPr lang="en-US" altLang="zh-CN" sz="2400" b="1" dirty="0">
-                <a:latin typeface="Times New Roman" panose="02020603050405020304" charset="0"/>
-                <a:ea typeface="华文中宋" panose="02010600040101010101" pitchFamily="2" charset="-122"/>
-                <a:cs typeface="Times New Roman" panose="02020603050405020304" charset="0"/>
-              </a:rPr>
-              <a:t> (2019 - now)</a:t>
+              <a:t>Awards: </a:t>
             </a:r>
             <a:endParaRPr lang="en-US" altLang="zh-CN" sz="2400" b="1" dirty="0">
               <a:latin typeface="Times New Roman" panose="02020603050405020304" charset="0"/>
@@ -4985,14 +4885,14 @@
               </a:lnSpc>
             </a:pPr>
             <a:r>
-              <a:rPr lang="en-US" altLang="zh-CN" sz="2400" b="1" dirty="0">
+              <a:rPr lang="en-US" altLang="zh-CN" sz="1600" b="1" dirty="0">
                 <a:latin typeface="Times New Roman" panose="02020603050405020304" charset="0"/>
                 <a:ea typeface="华文中宋" panose="02010600040101010101" pitchFamily="2" charset="-122"/>
                 <a:cs typeface="Times New Roman" panose="02020603050405020304" charset="0"/>
               </a:rPr>
-              <a:t>Company Profile: An artificial intelligence enterprise dedicated to fully 		        automatic driverless driving</a:t>
-            </a:r>
-            <a:endParaRPr lang="en-US" altLang="zh-CN" sz="2400" b="1" dirty="0">
+              <a:t>the first prize in the North China Division of the 2017 National Undergraduate IOT Design Competition</a:t>
+            </a:r>
+            <a:endParaRPr lang="en-US" altLang="zh-CN" sz="1600" b="1" dirty="0">
               <a:latin typeface="Times New Roman" panose="02020603050405020304" charset="0"/>
               <a:ea typeface="华文中宋" panose="02010600040101010101" pitchFamily="2" charset="-122"/>
               <a:cs typeface="Times New Roman" panose="02020603050405020304" charset="0"/>
@@ -5005,14 +4905,14 @@
               </a:lnSpc>
             </a:pPr>
             <a:r>
-              <a:rPr lang="en-US" altLang="zh-CN" sz="2400" b="1" dirty="0">
+              <a:rPr lang="en-US" altLang="zh-CN" sz="1600" b="1" dirty="0">
                 <a:latin typeface="Times New Roman" panose="02020603050405020304" charset="0"/>
                 <a:ea typeface="华文中宋" panose="02010600040101010101" pitchFamily="2" charset="-122"/>
                 <a:cs typeface="Times New Roman" panose="02020603050405020304" charset="0"/>
               </a:rPr>
-              <a:t>Work Position: C++ Software Engineer</a:t>
-            </a:r>
-            <a:endParaRPr lang="en-US" altLang="zh-CN" sz="2400" b="1" dirty="0">
+              <a:t>the second prize in the 2017 Tianjin Undergraduate IOT Innovation and Application Design Competition</a:t>
+            </a:r>
+            <a:endParaRPr lang="en-US" altLang="zh-CN" sz="1600" b="1" dirty="0">
               <a:latin typeface="Times New Roman" panose="02020603050405020304" charset="0"/>
               <a:ea typeface="华文中宋" panose="02010600040101010101" pitchFamily="2" charset="-122"/>
               <a:cs typeface="Times New Roman" panose="02020603050405020304" charset="0"/>
@@ -5024,21 +4924,187 @@
                 <a:spcPct val="200000"/>
               </a:lnSpc>
             </a:pPr>
+            <a:r>
+              <a:rPr lang="en-US" altLang="zh-CN" sz="1600" b="1" dirty="0">
+                <a:latin typeface="Times New Roman" panose="02020603050405020304" charset="0"/>
+                <a:ea typeface="华文中宋" panose="02010600040101010101" pitchFamily="2" charset="-122"/>
+                <a:cs typeface="Times New Roman" panose="02020603050405020304" charset="0"/>
+              </a:rPr>
+              <a:t>the National Tianjin Undergraduate Award Innovation and Training Program</a:t>
+            </a:r>
             <a:endParaRPr lang="en-US" altLang="zh-CN" sz="1600" b="1" dirty="0">
               <a:latin typeface="Times New Roman" panose="02020603050405020304" charset="0"/>
               <a:ea typeface="华文中宋" panose="02010600040101010101" pitchFamily="2" charset="-122"/>
               <a:cs typeface="Times New Roman" panose="02020603050405020304" charset="0"/>
             </a:endParaRPr>
           </a:p>
-        </p:txBody>
-      </p:sp>
+          <a:p>
+            <a:pPr fontAlgn="auto">
+              <a:lnSpc>
+                <a:spcPct val="200000"/>
+              </a:lnSpc>
+            </a:pPr>
+            <a:r>
+              <a:rPr lang="en-US" altLang="zh-CN" sz="1600" b="1" dirty="0">
+                <a:latin typeface="Times New Roman" panose="02020603050405020304" charset="0"/>
+                <a:ea typeface="华文中宋" panose="02010600040101010101" pitchFamily="2" charset="-122"/>
+                <a:cs typeface="Times New Roman" panose="02020603050405020304" charset="0"/>
+              </a:rPr>
+              <a:t>published an article in the journal </a:t>
+            </a:r>
+            <a:r>
+              <a:rPr lang="zh-CN" altLang="en-US" sz="1600" b="1" dirty="0">
+                <a:latin typeface="Times New Roman" panose="02020603050405020304" charset="0"/>
+                <a:ea typeface="华文中宋" panose="02010600040101010101" pitchFamily="2" charset="-122"/>
+                <a:cs typeface="Times New Roman" panose="02020603050405020304" charset="0"/>
+              </a:rPr>
+              <a:t>《</a:t>
+            </a:r>
+            <a:r>
+              <a:rPr lang="en-US" altLang="zh-CN" sz="1600" b="1" dirty="0">
+                <a:latin typeface="Times New Roman" panose="02020603050405020304" charset="0"/>
+                <a:ea typeface="华文中宋" panose="02010600040101010101" pitchFamily="2" charset="-122"/>
+                <a:cs typeface="Times New Roman" panose="02020603050405020304" charset="0"/>
+              </a:rPr>
+              <a:t>Agricultural Technology and Equipment</a:t>
+            </a:r>
+            <a:r>
+              <a:rPr lang="zh-CN" altLang="en-US" sz="1600" b="1" dirty="0">
+                <a:latin typeface="Times New Roman" panose="02020603050405020304" charset="0"/>
+                <a:ea typeface="华文中宋" panose="02010600040101010101" pitchFamily="2" charset="-122"/>
+                <a:cs typeface="Times New Roman" panose="02020603050405020304" charset="0"/>
+              </a:rPr>
+              <a:t>》</a:t>
+            </a:r>
+            <a:endParaRPr lang="en-US" altLang="zh-CN" sz="1600" b="1" dirty="0">
+              <a:latin typeface="Times New Roman" panose="02020603050405020304" charset="0"/>
+              <a:ea typeface="华文中宋" panose="02010600040101010101" pitchFamily="2" charset="-122"/>
+              <a:cs typeface="Times New Roman" panose="02020603050405020304" charset="0"/>
+            </a:endParaRPr>
+          </a:p>
+          <a:p>
+            <a:pPr fontAlgn="auto">
+              <a:lnSpc>
+                <a:spcPct val="200000"/>
+              </a:lnSpc>
+            </a:pPr>
+            <a:r>
+              <a:rPr lang="en-US" altLang="zh-CN" sz="1600" b="1" dirty="0">
+                <a:latin typeface="Times New Roman" panose="02020603050405020304" charset="0"/>
+                <a:ea typeface="华文中宋" panose="02010600040101010101" pitchFamily="2" charset="-122"/>
+                <a:cs typeface="Times New Roman" panose="02020603050405020304" charset="0"/>
+                <a:sym typeface="+mn-ea"/>
+              </a:rPr>
+              <a:t>s</a:t>
+            </a:r>
+            <a:r>
+              <a:rPr lang="zh-CN" altLang="en-US" sz="1600" b="1" dirty="0">
+                <a:latin typeface="Times New Roman" panose="02020603050405020304" charset="0"/>
+                <a:ea typeface="华文中宋" panose="02010600040101010101" pitchFamily="2" charset="-122"/>
+                <a:cs typeface="Times New Roman" panose="02020603050405020304" charset="0"/>
+                <a:sym typeface="+mn-ea"/>
+              </a:rPr>
+              <a:t>chool </a:t>
+            </a:r>
+            <a:r>
+              <a:rPr lang="en-US" altLang="zh-CN" sz="1600" b="1" dirty="0">
+                <a:latin typeface="Times New Roman" panose="02020603050405020304" charset="0"/>
+                <a:ea typeface="华文中宋" panose="02010600040101010101" pitchFamily="2" charset="-122"/>
+                <a:cs typeface="Times New Roman" panose="02020603050405020304" charset="0"/>
+                <a:sym typeface="+mn-ea"/>
+              </a:rPr>
+              <a:t>e</a:t>
+            </a:r>
+            <a:r>
+              <a:rPr lang="zh-CN" altLang="en-US" sz="1600" b="1" dirty="0">
+                <a:latin typeface="Times New Roman" panose="02020603050405020304" charset="0"/>
+                <a:ea typeface="华文中宋" panose="02010600040101010101" pitchFamily="2" charset="-122"/>
+                <a:cs typeface="Times New Roman" panose="02020603050405020304" charset="0"/>
+                <a:sym typeface="+mn-ea"/>
+              </a:rPr>
+              <a:t>xcellence </a:t>
+            </a:r>
+            <a:r>
+              <a:rPr lang="en-US" altLang="zh-CN" sz="1600" b="1" dirty="0">
+                <a:latin typeface="Times New Roman" panose="02020603050405020304" charset="0"/>
+                <a:ea typeface="华文中宋" panose="02010600040101010101" pitchFamily="2" charset="-122"/>
+                <a:cs typeface="Times New Roman" panose="02020603050405020304" charset="0"/>
+                <a:sym typeface="+mn-ea"/>
+              </a:rPr>
+              <a:t>s</a:t>
+            </a:r>
+            <a:r>
+              <a:rPr lang="zh-CN" altLang="en-US" sz="1600" b="1" dirty="0">
+                <a:latin typeface="Times New Roman" panose="02020603050405020304" charset="0"/>
+                <a:ea typeface="华文中宋" panose="02010600040101010101" pitchFamily="2" charset="-122"/>
+                <a:cs typeface="Times New Roman" panose="02020603050405020304" charset="0"/>
+                <a:sym typeface="+mn-ea"/>
+              </a:rPr>
+              <a:t>cholarship</a:t>
+            </a:r>
+            <a:endParaRPr lang="zh-CN" altLang="en-US" sz="1600" b="1" dirty="0">
+              <a:latin typeface="Times New Roman" panose="02020603050405020304" charset="0"/>
+              <a:ea typeface="华文中宋" panose="02010600040101010101" pitchFamily="2" charset="-122"/>
+              <a:cs typeface="Times New Roman" panose="02020603050405020304" charset="0"/>
+            </a:endParaRPr>
+          </a:p>
+          <a:p>
+            <a:pPr fontAlgn="auto">
+              <a:lnSpc>
+                <a:spcPct val="200000"/>
+              </a:lnSpc>
+            </a:pPr>
+            <a:r>
+              <a:rPr lang="en-US" altLang="zh-CN" sz="1600" b="1" dirty="0">
+                <a:latin typeface="Times New Roman" panose="02020603050405020304" charset="0"/>
+                <a:ea typeface="华文中宋" panose="02010600040101010101" pitchFamily="2" charset="-122"/>
+                <a:cs typeface="Times New Roman" panose="02020603050405020304" charset="0"/>
+              </a:rPr>
+              <a:t>etc...</a:t>
+            </a:r>
+            <a:endParaRPr lang="zh-CN" altLang="en-US" sz="1600" b="1" dirty="0">
+              <a:latin typeface="Times New Roman" panose="02020603050405020304" charset="0"/>
+              <a:ea typeface="华文中宋" panose="02010600040101010101" pitchFamily="2" charset="-122"/>
+              <a:cs typeface="Times New Roman" panose="02020603050405020304" charset="0"/>
+            </a:endParaRPr>
+          </a:p>
+        </p:txBody>
+      </p:sp>
+      <p:pic>
+        <p:nvPicPr>
+          <p:cNvPr id="7" name="图片 6"/>
+          <p:cNvPicPr>
+            <a:picLocks noChangeAspect="1"/>
+          </p:cNvPicPr>
+          <p:nvPr>
+            <p:custDataLst>
+              <p:tags r:id="rId1"/>
+            </p:custDataLst>
+          </p:nvPr>
+        </p:nvPicPr>
+        <p:blipFill>
+          <a:blip r:embed="rId2"/>
+          <a:stretch>
+            <a:fillRect/>
+          </a:stretch>
+        </p:blipFill>
+        <p:spPr>
+          <a:xfrm>
+            <a:off x="276860" y="80010"/>
+            <a:ext cx="906780" cy="905510"/>
+          </a:xfrm>
+          <a:prstGeom prst="rect">
+            <a:avLst/>
+          </a:prstGeom>
+        </p:spPr>
+      </p:pic>
       <p:sp>
         <p:nvSpPr>
           <p:cNvPr id="5" name="文本框 4"/>
           <p:cNvSpPr txBox="1"/>
           <p:nvPr>
             <p:custDataLst>
-              <p:tags r:id="rId1"/>
+              <p:tags r:id="rId3"/>
             </p:custDataLst>
           </p:nvPr>
         </p:nvSpPr>
@@ -5062,6 +5128,17 @@
                 <a:spcPct val="150000"/>
               </a:lnSpc>
             </a:pPr>
+            <a:r>
+              <a:rPr sz="4000" b="1" dirty="0">
+                <a:solidFill>
+                  <a:schemeClr val="tx1"/>
+                </a:solidFill>
+                <a:latin typeface="Times New Roman" panose="02020603050405020304" charset="0"/>
+                <a:ea typeface="华文中宋" panose="02010600040101010101" pitchFamily="2" charset="-122"/>
+                <a:cs typeface="Times New Roman" panose="02020603050405020304" charset="0"/>
+              </a:rPr>
+              <a:t>Education </a:t>
+            </a:r>
             <a:r>
               <a:rPr lang="en-US" sz="4000" b="1" dirty="0">
                 <a:solidFill>
@@ -5071,9 +5148,20 @@
                 <a:ea typeface="华文中宋" panose="02010600040101010101" pitchFamily="2" charset="-122"/>
                 <a:cs typeface="Times New Roman" panose="02020603050405020304" charset="0"/>
               </a:rPr>
-              <a:t>Work Experience</a:t>
-            </a:r>
-            <a:endParaRPr lang="en-US" sz="4000" b="1" dirty="0">
+              <a:t>B</a:t>
+            </a:r>
+            <a:r>
+              <a:rPr sz="4000" b="1" dirty="0">
+                <a:solidFill>
+                  <a:schemeClr val="tx1"/>
+                </a:solidFill>
+                <a:latin typeface="Times New Roman" panose="02020603050405020304" charset="0"/>
+                <a:ea typeface="华文中宋" panose="02010600040101010101" pitchFamily="2" charset="-122"/>
+                <a:cs typeface="Times New Roman" panose="02020603050405020304" charset="0"/>
+              </a:rPr>
+              <a:t>ackground</a:t>
+            </a:r>
+            <a:endParaRPr sz="4000" b="1" dirty="0">
               <a:solidFill>
                 <a:schemeClr val="tx1"/>
               </a:solidFill>
@@ -5084,13 +5172,53 @@
           </a:p>
         </p:txBody>
       </p:sp>
+      <p:pic>
+        <p:nvPicPr>
+          <p:cNvPr id="6" name="图片 5"/>
+          <p:cNvPicPr>
+            <a:picLocks noChangeAspect="1"/>
+          </p:cNvPicPr>
+          <p:nvPr>
+            <p:custDataLst>
+              <p:tags r:id="rId4"/>
+            </p:custDataLst>
+          </p:nvPr>
+        </p:nvPicPr>
+        <p:blipFill rotWithShape="1">
+          <a:blip r:embed="rId5">
+            <a:clrChange>
+              <a:clrFrom>
+                <a:srgbClr val="FFFFFF"/>
+              </a:clrFrom>
+              <a:clrTo>
+                <a:srgbClr val="FFFFFF">
+                  <a:alpha val="0"/>
+                </a:srgbClr>
+              </a:clrTo>
+            </a:clrChange>
+          </a:blip>
+          <a:srcRect t="14294" b="28213"/>
+          <a:stretch>
+            <a:fillRect/>
+          </a:stretch>
+        </p:blipFill>
+        <p:spPr>
+          <a:xfrm>
+            <a:off x="3919855" y="4646930"/>
+            <a:ext cx="4354830" cy="2485390"/>
+          </a:xfrm>
+          <a:prstGeom prst="rect">
+            <a:avLst/>
+          </a:prstGeom>
+        </p:spPr>
+      </p:pic>
       <p:sp>
         <p:nvSpPr>
           <p:cNvPr id="8" name="矩形: 圆角 26"/>
           <p:cNvSpPr/>
           <p:nvPr>
             <p:custDataLst>
-              <p:tags r:id="rId2"/>
+              <p:tags r:id="rId6"/>
             </p:custDataLst>
           </p:nvPr>
         </p:nvSpPr>
@@ -5141,7 +5269,7 @@
           <p:cNvSpPr/>
           <p:nvPr>
             <p:custDataLst>
-              <p:tags r:id="rId3"/>
+              <p:tags r:id="rId7"/>
             </p:custDataLst>
           </p:nvPr>
         </p:nvSpPr>
@@ -5186,62 +5314,6 @@
           </a:p>
         </p:txBody>
       </p:sp>
-      <p:pic>
-        <p:nvPicPr>
-          <p:cNvPr id="4" name="图片 3"/>
-          <p:cNvPicPr>
-            <a:picLocks noChangeAspect="1"/>
-          </p:cNvPicPr>
-          <p:nvPr>
-            <p:custDataLst>
-              <p:tags r:id="rId4"/>
-            </p:custDataLst>
-          </p:nvPr>
-        </p:nvPicPr>
-        <p:blipFill>
-          <a:blip r:embed="rId5"/>
-          <a:stretch>
-            <a:fillRect/>
-          </a:stretch>
-        </p:blipFill>
-        <p:spPr>
-          <a:xfrm>
-            <a:off x="5715" y="159385"/>
-            <a:ext cx="2324100" cy="733425"/>
-          </a:xfrm>
-          <a:prstGeom prst="rect">
-            <a:avLst/>
-          </a:prstGeom>
-        </p:spPr>
-      </p:pic>
-      <p:pic>
-        <p:nvPicPr>
-          <p:cNvPr id="3" name="图片 2"/>
-          <p:cNvPicPr>
-            <a:picLocks noChangeAspect="1"/>
-          </p:cNvPicPr>
-          <p:nvPr>
-            <p:custDataLst>
-              <p:tags r:id="rId6"/>
-            </p:custDataLst>
-          </p:nvPr>
-        </p:nvPicPr>
-        <p:blipFill>
-          <a:blip r:embed="rId7"/>
-          <a:stretch>
-            <a:fillRect/>
-          </a:stretch>
-        </p:blipFill>
-        <p:spPr>
-          <a:xfrm>
-            <a:off x="4066540" y="5307965"/>
-            <a:ext cx="3989705" cy="1509395"/>
-          </a:xfrm>
-          <a:prstGeom prst="rect">
-            <a:avLst/>
-          </a:prstGeom>
-        </p:spPr>
-      </p:pic>
     </p:spTree>
   </p:cSld>
   <p:clrMapOvr>
@@ -5457,65 +5529,55 @@
                 <a:ea typeface="华文中宋" panose="02010600040101010101" pitchFamily="2" charset="-122"/>
                 <a:cs typeface="Times New Roman" panose="02020603050405020304" charset="0"/>
               </a:rPr>
-              <a:t>Responsible Modules: </a:t>
-            </a:r>
-            <a:r>
-              <a:rPr lang="en-US" altLang="zh-CN" sz="2400" b="1" dirty="0">
+              <a:t>Hangzhou Fabu Technology Company (2019 - now):  </a:t>
+            </a:r>
+            <a:r>
+              <a:rPr lang="en-US" altLang="zh-CN" sz="2000" b="1" dirty="0">
                 <a:latin typeface="Times New Roman" panose="02020603050405020304" charset="0"/>
                 <a:ea typeface="华文中宋" panose="02010600040101010101" pitchFamily="2" charset="-122"/>
                 <a:cs typeface="Times New Roman" panose="02020603050405020304" charset="0"/>
-                <a:sym typeface="+mn-ea"/>
               </a:rPr>
-              <a:t>ECS-ctrl</a:t>
-            </a:r>
-            <a:r>
-              <a:rPr lang="zh-CN" altLang="en-US" sz="2400" b="1" dirty="0">
-                <a:latin typeface="Times New Roman" panose="02020603050405020304" charset="0"/>
-                <a:ea typeface="华文中宋" panose="02010600040101010101" pitchFamily="2" charset="-122"/>
-                <a:cs typeface="Times New Roman" panose="02020603050405020304" charset="0"/>
-                <a:sym typeface="+mn-ea"/>
-              </a:rPr>
-              <a:t>、</a:t>
-            </a:r>
+              <a:t>An artificial 	intelligence enterprise dedicated to fully automatic driverless driving</a:t>
+            </a:r>
+            <a:endParaRPr lang="en-US" altLang="zh-CN" sz="2000" b="1" dirty="0">
+              <a:latin typeface="Times New Roman" panose="02020603050405020304" charset="0"/>
+              <a:ea typeface="华文中宋" panose="02010600040101010101" pitchFamily="2" charset="-122"/>
+              <a:cs typeface="Times New Roman" panose="02020603050405020304" charset="0"/>
+            </a:endParaRPr>
+          </a:p>
+          <a:p>
+            <a:pPr fontAlgn="auto">
+              <a:lnSpc>
+                <a:spcPct val="200000"/>
+              </a:lnSpc>
+            </a:pPr>
             <a:r>
               <a:rPr lang="en-US" altLang="zh-CN" sz="2400" b="1" dirty="0">
                 <a:latin typeface="Times New Roman" panose="02020603050405020304" charset="0"/>
                 <a:ea typeface="华文中宋" panose="02010600040101010101" pitchFamily="2" charset="-122"/>
                 <a:cs typeface="Times New Roman" panose="02020603050405020304" charset="0"/>
               </a:rPr>
-              <a:t>Antenna</a:t>
-            </a:r>
-            <a:r>
-              <a:rPr lang="zh-CN" altLang="en-US" sz="2400" b="1" dirty="0">
-                <a:latin typeface="Times New Roman" panose="02020603050405020304" charset="0"/>
-                <a:ea typeface="华文中宋" panose="02010600040101010101" pitchFamily="2" charset="-122"/>
-                <a:cs typeface="Times New Roman" panose="02020603050405020304" charset="0"/>
-              </a:rPr>
-              <a:t>、</a:t>
-            </a:r>
+              <a:t>Group: System Platform</a:t>
+            </a:r>
+            <a:endParaRPr lang="en-US" altLang="zh-CN" sz="2400" b="1" dirty="0">
+              <a:latin typeface="Times New Roman" panose="02020603050405020304" charset="0"/>
+              <a:ea typeface="华文中宋" panose="02010600040101010101" pitchFamily="2" charset="-122"/>
+              <a:cs typeface="Times New Roman" panose="02020603050405020304" charset="0"/>
+            </a:endParaRPr>
+          </a:p>
+          <a:p>
+            <a:pPr fontAlgn="auto">
+              <a:lnSpc>
+                <a:spcPct val="200000"/>
+              </a:lnSpc>
+            </a:pPr>
             <a:r>
               <a:rPr lang="en-US" altLang="zh-CN" sz="2400" b="1" dirty="0">
                 <a:latin typeface="Times New Roman" panose="02020603050405020304" charset="0"/>
                 <a:ea typeface="华文中宋" panose="02010600040101010101" pitchFamily="2" charset="-122"/>
                 <a:cs typeface="Times New Roman" panose="02020603050405020304" charset="0"/>
               </a:rPr>
-              <a:t>Monitor</a:t>
-            </a:r>
-            <a:r>
-              <a:rPr lang="zh-CN" altLang="en-US" sz="2400" b="1" dirty="0">
-                <a:latin typeface="Times New Roman" panose="02020603050405020304" charset="0"/>
-                <a:ea typeface="华文中宋" panose="02010600040101010101" pitchFamily="2" charset="-122"/>
-                <a:cs typeface="Times New Roman" panose="02020603050405020304" charset="0"/>
-              </a:rPr>
-              <a:t>、</a:t>
-            </a:r>
-            <a:r>
-              <a:rPr lang="en-US" altLang="zh-CN" sz="2400" b="1" dirty="0">
-                <a:latin typeface="Times New Roman" panose="02020603050405020304" charset="0"/>
-                <a:ea typeface="华文中宋" panose="02010600040101010101" pitchFamily="2" charset="-122"/>
-                <a:cs typeface="Times New Roman" panose="02020603050405020304" charset="0"/>
-              </a:rPr>
-              <a:t>Notepad</a:t>
+              <a:t>Work Position: C++ Software Engineer</a:t>
             </a:r>
             <a:endParaRPr lang="en-US" altLang="zh-CN" sz="2400" b="1" dirty="0">
               <a:latin typeface="Times New Roman" panose="02020603050405020304" charset="0"/>
@@ -5529,185 +5591,7 @@
                 <a:spcPct val="200000"/>
               </a:lnSpc>
             </a:pPr>
-            <a:r>
-              <a:rPr lang="en-US" altLang="zh-CN" sz="2400" b="1" dirty="0">
-                <a:latin typeface="Times New Roman" panose="02020603050405020304" charset="0"/>
-                <a:ea typeface="华文中宋" panose="02010600040101010101" pitchFamily="2" charset="-122"/>
-                <a:cs typeface="Times New Roman" panose="02020603050405020304" charset="0"/>
-              </a:rPr>
-              <a:t>Development Functions:</a:t>
-            </a:r>
-            <a:endParaRPr lang="en-US" altLang="zh-CN" sz="2400" b="1" dirty="0">
-              <a:latin typeface="Times New Roman" panose="02020603050405020304" charset="0"/>
-              <a:ea typeface="华文中宋" panose="02010600040101010101" pitchFamily="2" charset="-122"/>
-              <a:cs typeface="Times New Roman" panose="02020603050405020304" charset="0"/>
-            </a:endParaRPr>
-          </a:p>
-          <a:p>
-            <a:pPr fontAlgn="auto">
-              <a:lnSpc>
-                <a:spcPct val="200000"/>
-              </a:lnSpc>
-            </a:pPr>
-            <a:r>
-              <a:rPr lang="en-US" altLang="zh-CN" sz="1200" b="1" dirty="0">
-                <a:latin typeface="Times New Roman" panose="02020603050405020304" charset="0"/>
-                <a:ea typeface="华文中宋" panose="02010600040101010101" pitchFamily="2" charset="-122"/>
-                <a:cs typeface="Times New Roman" panose="02020603050405020304" charset="0"/>
-              </a:rPr>
-              <a:t>1. Clearly define the vehicle operation process, and support multi-scenario operations, such as: MeiShan Port, NanTong Port</a:t>
-            </a:r>
-            <a:endParaRPr lang="en-US" altLang="zh-CN" sz="1200" b="1" dirty="0">
-              <a:latin typeface="Times New Roman" panose="02020603050405020304" charset="0"/>
-              <a:ea typeface="华文中宋" panose="02010600040101010101" pitchFamily="2" charset="-122"/>
-              <a:cs typeface="Times New Roman" panose="02020603050405020304" charset="0"/>
-            </a:endParaRPr>
-          </a:p>
-          <a:p>
-            <a:pPr fontAlgn="auto">
-              <a:lnSpc>
-                <a:spcPct val="200000"/>
-              </a:lnSpc>
-            </a:pPr>
-            <a:r>
-              <a:rPr lang="en-US" altLang="zh-CN" sz="1200" b="1" dirty="0">
-                <a:latin typeface="Times New Roman" panose="02020603050405020304" charset="0"/>
-                <a:ea typeface="华文中宋" panose="02010600040101010101" pitchFamily="2" charset="-122"/>
-                <a:cs typeface="Times New Roman" panose="02020603050405020304" charset="0"/>
-              </a:rPr>
-              <a:t>2. Use TCP protocol to access the basic information of gantries and cranes for use by the automatic driving modules.</a:t>
-            </a:r>
-            <a:endParaRPr lang="en-US" altLang="zh-CN" sz="1200" b="1" dirty="0">
-              <a:latin typeface="Times New Roman" panose="02020603050405020304" charset="0"/>
-              <a:ea typeface="华文中宋" panose="02010600040101010101" pitchFamily="2" charset="-122"/>
-              <a:cs typeface="Times New Roman" panose="02020603050405020304" charset="0"/>
-            </a:endParaRPr>
-          </a:p>
-          <a:p>
-            <a:pPr fontAlgn="auto">
-              <a:lnSpc>
-                <a:spcPct val="200000"/>
-              </a:lnSpc>
-            </a:pPr>
-            <a:r>
-              <a:rPr lang="en-US" altLang="zh-CN" sz="1200" b="1" dirty="0">
-                <a:latin typeface="Times New Roman" panose="02020603050405020304" charset="0"/>
-                <a:ea typeface="华文中宋" panose="02010600040101010101" pitchFamily="2" charset="-122"/>
-                <a:cs typeface="Times New Roman" panose="02020603050405020304" charset="0"/>
-              </a:rPr>
-              <a:t>3. Development remote control function: slow braking, sudden braking, movement, on and off the line, human-vehicle interaction and other functions.</a:t>
-            </a:r>
-            <a:endParaRPr lang="en-US" altLang="zh-CN" sz="1200" b="1" dirty="0">
-              <a:latin typeface="Times New Roman" panose="02020603050405020304" charset="0"/>
-              <a:ea typeface="华文中宋" panose="02010600040101010101" pitchFamily="2" charset="-122"/>
-              <a:cs typeface="Times New Roman" panose="02020603050405020304" charset="0"/>
-            </a:endParaRPr>
-          </a:p>
-          <a:p>
-            <a:pPr fontAlgn="auto">
-              <a:lnSpc>
-                <a:spcPct val="200000"/>
-              </a:lnSpc>
-            </a:pPr>
-            <a:r>
-              <a:rPr lang="en-US" altLang="zh-CN" sz="1200" b="1" dirty="0">
-                <a:latin typeface="Times New Roman" panose="02020603050405020304" charset="0"/>
-                <a:ea typeface="华文中宋" panose="02010600040101010101" pitchFamily="2" charset="-122"/>
-                <a:cs typeface="Times New Roman" panose="02020603050405020304" charset="0"/>
-              </a:rPr>
-              <a:t>4. </a:t>
-            </a:r>
-            <a:r>
-              <a:rPr lang="en-US" altLang="zh-CN" sz="1200" b="1" dirty="0">
-                <a:latin typeface="Times New Roman" panose="02020603050405020304" charset="0"/>
-                <a:ea typeface="华文中宋" panose="02010600040101010101" pitchFamily="2" charset="-122"/>
-                <a:cs typeface="Times New Roman" panose="02020603050405020304" charset="0"/>
-                <a:sym typeface="+mn-ea"/>
-              </a:rPr>
-              <a:t>Development early warning</a:t>
-            </a:r>
-            <a:r>
-              <a:rPr lang="en-US" altLang="zh-CN" sz="1200" b="1" dirty="0">
-                <a:latin typeface="Times New Roman" panose="02020603050405020304" charset="0"/>
-                <a:ea typeface="华文中宋" panose="02010600040101010101" pitchFamily="2" charset="-122"/>
-                <a:cs typeface="Times New Roman" panose="02020603050405020304" charset="0"/>
-              </a:rPr>
-              <a:t> function: collect abnormal information from vehiles, such as: obstacle warning, parking warning, etc..</a:t>
-            </a:r>
-            <a:endParaRPr lang="en-US" altLang="zh-CN" sz="1200" b="1" dirty="0">
-              <a:latin typeface="Times New Roman" panose="02020603050405020304" charset="0"/>
-              <a:ea typeface="华文中宋" panose="02010600040101010101" pitchFamily="2" charset="-122"/>
-              <a:cs typeface="Times New Roman" panose="02020603050405020304" charset="0"/>
-            </a:endParaRPr>
-          </a:p>
-          <a:p>
-            <a:pPr fontAlgn="auto">
-              <a:lnSpc>
-                <a:spcPct val="200000"/>
-              </a:lnSpc>
-            </a:pPr>
-            <a:r>
-              <a:rPr lang="en-US" altLang="zh-CN" sz="1200" b="1" dirty="0">
-                <a:latin typeface="Times New Roman" panose="02020603050405020304" charset="0"/>
-                <a:ea typeface="华文中宋" panose="02010600040101010101" pitchFamily="2" charset="-122"/>
-                <a:cs typeface="Times New Roman" panose="02020603050405020304" charset="0"/>
-              </a:rPr>
-              <a:t>5. Monitoring function: the health status of each module of </a:t>
-            </a:r>
-            <a:r>
-              <a:rPr lang="en-US" altLang="zh-CN" sz="1200" b="1" dirty="0">
-                <a:latin typeface="Times New Roman" panose="02020603050405020304" charset="0"/>
-                <a:ea typeface="华文中宋" panose="02010600040101010101" pitchFamily="2" charset="-122"/>
-                <a:cs typeface="Times New Roman" panose="02020603050405020304" charset="0"/>
-                <a:sym typeface="+mn-ea"/>
-              </a:rPr>
-              <a:t>automatic driving modules.</a:t>
-            </a:r>
-            <a:endParaRPr lang="en-US" altLang="zh-CN" sz="1200" b="1" dirty="0">
-              <a:latin typeface="Times New Roman" panose="02020603050405020304" charset="0"/>
-              <a:ea typeface="华文中宋" panose="02010600040101010101" pitchFamily="2" charset="-122"/>
-              <a:cs typeface="Times New Roman" panose="02020603050405020304" charset="0"/>
-              <a:sym typeface="+mn-ea"/>
-            </a:endParaRPr>
-          </a:p>
-          <a:p>
-            <a:pPr fontAlgn="auto">
-              <a:lnSpc>
-                <a:spcPct val="200000"/>
-              </a:lnSpc>
-            </a:pPr>
-            <a:r>
-              <a:rPr lang="en-US" altLang="zh-CN" sz="1200" b="1" dirty="0">
-                <a:latin typeface="Times New Roman" panose="02020603050405020304" charset="0"/>
-                <a:ea typeface="华文中宋" panose="02010600040101010101" pitchFamily="2" charset="-122"/>
-                <a:cs typeface="Times New Roman" panose="02020603050405020304" charset="0"/>
-                <a:sym typeface="+mn-ea"/>
-              </a:rPr>
-              <a:t>6. Provides data for web application to visualize the current output of related autonomous driving modules.</a:t>
-            </a:r>
-            <a:endParaRPr lang="en-US" altLang="zh-CN" sz="1200" b="1" dirty="0">
-              <a:latin typeface="Times New Roman" panose="02020603050405020304" charset="0"/>
-              <a:ea typeface="华文中宋" panose="02010600040101010101" pitchFamily="2" charset="-122"/>
-              <a:cs typeface="Times New Roman" panose="02020603050405020304" charset="0"/>
-              <a:sym typeface="+mn-ea"/>
-            </a:endParaRPr>
-          </a:p>
-          <a:p>
-            <a:pPr fontAlgn="auto">
-              <a:lnSpc>
-                <a:spcPct val="200000"/>
-              </a:lnSpc>
-            </a:pPr>
-            <a:r>
-              <a:rPr lang="en-US" altLang="zh-CN" sz="1200" b="1" dirty="0">
-                <a:latin typeface="Times New Roman" panose="02020603050405020304" charset="0"/>
-                <a:ea typeface="华文中宋" panose="02010600040101010101" pitchFamily="2" charset="-122"/>
-                <a:cs typeface="Times New Roman" panose="02020603050405020304" charset="0"/>
-                <a:sym typeface="+mn-ea"/>
-              </a:rPr>
-              <a:t>etc...</a:t>
-            </a:r>
-            <a:endParaRPr lang="en-US" altLang="zh-CN" sz="1200" b="1" dirty="0">
+            <a:endParaRPr lang="en-US" altLang="zh-CN" sz="1600" b="1" dirty="0">
               <a:latin typeface="Times New Roman" panose="02020603050405020304" charset="0"/>
               <a:ea typeface="华文中宋" panose="02010600040101010101" pitchFamily="2" charset="-122"/>
               <a:cs typeface="Times New Roman" panose="02020603050405020304" charset="0"/>
@@ -6107,41 +5991,297 @@
           </a:p>
         </p:txBody>
       </p:sp>
-      <p:pic>
-        <p:nvPicPr>
-          <p:cNvPr id="7" name="图片 6"/>
-          <p:cNvPicPr>
-            <a:picLocks noChangeAspect="1"/>
-          </p:cNvPicPr>
-          <p:nvPr>
-            <p:custDataLst>
-              <p:tags r:id="rId1"/>
-            </p:custDataLst>
-          </p:nvPr>
-        </p:nvPicPr>
-        <p:blipFill>
-          <a:blip r:embed="rId2"/>
-          <a:stretch>
-            <a:fillRect/>
-          </a:stretch>
-        </p:blipFill>
-        <p:spPr>
-          <a:xfrm>
-            <a:off x="276860" y="80010"/>
-            <a:ext cx="906780" cy="905510"/>
+      <p:sp>
+        <p:nvSpPr>
+          <p:cNvPr id="2" name="文本框 1"/>
+          <p:cNvSpPr txBox="1"/>
+          <p:nvPr/>
+        </p:nvSpPr>
+        <p:spPr>
+          <a:xfrm>
+            <a:off x="490855" y="1252855"/>
+            <a:ext cx="10005060" cy="4699000"/>
           </a:xfrm>
           <a:prstGeom prst="rect">
             <a:avLst/>
           </a:prstGeom>
-        </p:spPr>
-      </p:pic>
+          <a:noFill/>
+        </p:spPr>
+        <p:txBody>
+          <a:bodyPr wrap="square" rtlCol="0">
+            <a:noAutofit/>
+          </a:bodyPr>
+          <a:lstStyle/>
+          <a:p>
+            <a:pPr fontAlgn="auto">
+              <a:lnSpc>
+                <a:spcPct val="200000"/>
+              </a:lnSpc>
+            </a:pPr>
+            <a:r>
+              <a:rPr lang="en-US" altLang="zh-CN" sz="2400" b="1" dirty="0">
+                <a:latin typeface="Times New Roman" panose="02020603050405020304" charset="0"/>
+                <a:ea typeface="华文中宋" panose="02010600040101010101" pitchFamily="2" charset="-122"/>
+                <a:cs typeface="Times New Roman" panose="02020603050405020304" charset="0"/>
+              </a:rPr>
+              <a:t>Responsible Modules: </a:t>
+            </a:r>
+            <a:r>
+              <a:rPr lang="en-US" altLang="zh-CN" sz="2400" b="1" dirty="0">
+                <a:latin typeface="Times New Roman" panose="02020603050405020304" charset="0"/>
+                <a:ea typeface="华文中宋" panose="02010600040101010101" pitchFamily="2" charset="-122"/>
+                <a:cs typeface="Times New Roman" panose="02020603050405020304" charset="0"/>
+                <a:sym typeface="+mn-ea"/>
+              </a:rPr>
+              <a:t>ECS-ctrl</a:t>
+            </a:r>
+            <a:r>
+              <a:rPr lang="zh-CN" altLang="en-US" sz="2400" b="1" dirty="0">
+                <a:latin typeface="Times New Roman" panose="02020603050405020304" charset="0"/>
+                <a:ea typeface="华文中宋" panose="02010600040101010101" pitchFamily="2" charset="-122"/>
+                <a:cs typeface="Times New Roman" panose="02020603050405020304" charset="0"/>
+                <a:sym typeface="+mn-ea"/>
+              </a:rPr>
+              <a:t>、</a:t>
+            </a:r>
+            <a:r>
+              <a:rPr lang="en-US" altLang="zh-CN" sz="2400" b="1" dirty="0">
+                <a:latin typeface="Times New Roman" panose="02020603050405020304" charset="0"/>
+                <a:ea typeface="华文中宋" panose="02010600040101010101" pitchFamily="2" charset="-122"/>
+                <a:cs typeface="Times New Roman" panose="02020603050405020304" charset="0"/>
+              </a:rPr>
+              <a:t>Antenna</a:t>
+            </a:r>
+            <a:r>
+              <a:rPr lang="zh-CN" altLang="en-US" sz="2400" b="1" dirty="0">
+                <a:latin typeface="Times New Roman" panose="02020603050405020304" charset="0"/>
+                <a:ea typeface="华文中宋" panose="02010600040101010101" pitchFamily="2" charset="-122"/>
+                <a:cs typeface="Times New Roman" panose="02020603050405020304" charset="0"/>
+              </a:rPr>
+              <a:t>、</a:t>
+            </a:r>
+            <a:r>
+              <a:rPr lang="en-US" altLang="zh-CN" sz="2400" b="1" dirty="0">
+                <a:latin typeface="Times New Roman" panose="02020603050405020304" charset="0"/>
+                <a:ea typeface="华文中宋" panose="02010600040101010101" pitchFamily="2" charset="-122"/>
+                <a:cs typeface="Times New Roman" panose="02020603050405020304" charset="0"/>
+              </a:rPr>
+              <a:t>Monitor</a:t>
+            </a:r>
+            <a:endParaRPr lang="en-US" altLang="zh-CN" sz="2400" b="1" dirty="0">
+              <a:latin typeface="Times New Roman" panose="02020603050405020304" charset="0"/>
+              <a:ea typeface="华文中宋" panose="02010600040101010101" pitchFamily="2" charset="-122"/>
+              <a:cs typeface="Times New Roman" panose="02020603050405020304" charset="0"/>
+            </a:endParaRPr>
+          </a:p>
+          <a:p>
+            <a:pPr fontAlgn="auto">
+              <a:lnSpc>
+                <a:spcPct val="200000"/>
+              </a:lnSpc>
+            </a:pPr>
+            <a:r>
+              <a:rPr lang="en-US" altLang="zh-CN" sz="2400" b="1" dirty="0">
+                <a:latin typeface="Times New Roman" panose="02020603050405020304" charset="0"/>
+                <a:ea typeface="华文中宋" panose="02010600040101010101" pitchFamily="2" charset="-122"/>
+                <a:cs typeface="Times New Roman" panose="02020603050405020304" charset="0"/>
+              </a:rPr>
+              <a:t>Development Functions:</a:t>
+            </a:r>
+            <a:endParaRPr lang="en-US" altLang="zh-CN" sz="2400" b="1" dirty="0">
+              <a:latin typeface="Times New Roman" panose="02020603050405020304" charset="0"/>
+              <a:ea typeface="华文中宋" panose="02010600040101010101" pitchFamily="2" charset="-122"/>
+              <a:cs typeface="Times New Roman" panose="02020603050405020304" charset="0"/>
+            </a:endParaRPr>
+          </a:p>
+          <a:p>
+            <a:pPr fontAlgn="auto">
+              <a:lnSpc>
+                <a:spcPct val="200000"/>
+              </a:lnSpc>
+            </a:pPr>
+            <a:r>
+              <a:rPr lang="en-US" altLang="zh-CN" sz="1200" b="1" dirty="0">
+                <a:latin typeface="Times New Roman" panose="02020603050405020304" charset="0"/>
+                <a:ea typeface="华文中宋" panose="02010600040101010101" pitchFamily="2" charset="-122"/>
+                <a:cs typeface="Times New Roman" panose="02020603050405020304" charset="0"/>
+              </a:rPr>
+              <a:t>1. Clearly define the vehicle operation process, and support multi-scenario operations, such as: MeiShan Port, NanTong Port</a:t>
+            </a:r>
+            <a:endParaRPr lang="en-US" altLang="zh-CN" sz="1200" b="1" dirty="0">
+              <a:latin typeface="Times New Roman" panose="02020603050405020304" charset="0"/>
+              <a:ea typeface="华文中宋" panose="02010600040101010101" pitchFamily="2" charset="-122"/>
+              <a:cs typeface="Times New Roman" panose="02020603050405020304" charset="0"/>
+            </a:endParaRPr>
+          </a:p>
+          <a:p>
+            <a:pPr fontAlgn="auto">
+              <a:lnSpc>
+                <a:spcPct val="200000"/>
+              </a:lnSpc>
+            </a:pPr>
+            <a:r>
+              <a:rPr lang="en-US" altLang="zh-CN" sz="1200" b="1" dirty="0">
+                <a:latin typeface="Times New Roman" panose="02020603050405020304" charset="0"/>
+                <a:ea typeface="华文中宋" panose="02010600040101010101" pitchFamily="2" charset="-122"/>
+                <a:cs typeface="Times New Roman" panose="02020603050405020304" charset="0"/>
+              </a:rPr>
+              <a:t>2. Access the basic information of gantries and cranes for use by the automatic driving modules.</a:t>
+            </a:r>
+            <a:endParaRPr lang="en-US" altLang="zh-CN" sz="1200" b="1" dirty="0">
+              <a:latin typeface="Times New Roman" panose="02020603050405020304" charset="0"/>
+              <a:ea typeface="华文中宋" panose="02010600040101010101" pitchFamily="2" charset="-122"/>
+              <a:cs typeface="Times New Roman" panose="02020603050405020304" charset="0"/>
+            </a:endParaRPr>
+          </a:p>
+          <a:p>
+            <a:pPr fontAlgn="auto">
+              <a:lnSpc>
+                <a:spcPct val="200000"/>
+              </a:lnSpc>
+            </a:pPr>
+            <a:r>
+              <a:rPr lang="en-US" altLang="zh-CN" sz="1200" b="1" dirty="0">
+                <a:latin typeface="Times New Roman" panose="02020603050405020304" charset="0"/>
+                <a:ea typeface="华文中宋" panose="02010600040101010101" pitchFamily="2" charset="-122"/>
+                <a:cs typeface="Times New Roman" panose="02020603050405020304" charset="0"/>
+              </a:rPr>
+              <a:t>3. Remote control function: slow braking, emergency braking, movement, human-vehicle interaction, etc...</a:t>
+            </a:r>
+            <a:endParaRPr lang="en-US" altLang="zh-CN" sz="1200" b="1" dirty="0">
+              <a:latin typeface="Times New Roman" panose="02020603050405020304" charset="0"/>
+              <a:ea typeface="华文中宋" panose="02010600040101010101" pitchFamily="2" charset="-122"/>
+              <a:cs typeface="Times New Roman" panose="02020603050405020304" charset="0"/>
+            </a:endParaRPr>
+          </a:p>
+          <a:p>
+            <a:pPr fontAlgn="auto">
+              <a:lnSpc>
+                <a:spcPct val="200000"/>
+              </a:lnSpc>
+            </a:pPr>
+            <a:r>
+              <a:rPr lang="en-US" altLang="zh-CN" sz="1200" b="1" dirty="0">
+                <a:latin typeface="Times New Roman" panose="02020603050405020304" charset="0"/>
+                <a:ea typeface="华文中宋" panose="02010600040101010101" pitchFamily="2" charset="-122"/>
+                <a:cs typeface="Times New Roman" panose="02020603050405020304" charset="0"/>
+              </a:rPr>
+              <a:t>4. </a:t>
+            </a:r>
+            <a:r>
+              <a:rPr lang="en-US" altLang="zh-CN" sz="1200" b="1" dirty="0">
+                <a:latin typeface="Times New Roman" panose="02020603050405020304" charset="0"/>
+                <a:ea typeface="华文中宋" panose="02010600040101010101" pitchFamily="2" charset="-122"/>
+                <a:cs typeface="Times New Roman" panose="02020603050405020304" charset="0"/>
+                <a:sym typeface="+mn-ea"/>
+              </a:rPr>
+              <a:t>E</a:t>
+            </a:r>
+            <a:r>
+              <a:rPr lang="en-US" altLang="zh-CN" sz="1200" b="1" dirty="0">
+                <a:latin typeface="Times New Roman" panose="02020603050405020304" charset="0"/>
+                <a:ea typeface="华文中宋" panose="02010600040101010101" pitchFamily="2" charset="-122"/>
+                <a:cs typeface="Times New Roman" panose="02020603050405020304" charset="0"/>
+                <a:sym typeface="+mn-ea"/>
+              </a:rPr>
+              <a:t>arly warning</a:t>
+            </a:r>
+            <a:r>
+              <a:rPr lang="en-US" altLang="zh-CN" sz="1200" b="1" dirty="0">
+                <a:latin typeface="Times New Roman" panose="02020603050405020304" charset="0"/>
+                <a:ea typeface="华文中宋" panose="02010600040101010101" pitchFamily="2" charset="-122"/>
+                <a:cs typeface="Times New Roman" panose="02020603050405020304" charset="0"/>
+              </a:rPr>
+              <a:t> function: collect abnormal information from vehicles, such as: obstacle warning, parking warning, etc..</a:t>
+            </a:r>
+            <a:endParaRPr lang="en-US" altLang="zh-CN" sz="1200" b="1" dirty="0">
+              <a:latin typeface="Times New Roman" panose="02020603050405020304" charset="0"/>
+              <a:ea typeface="华文中宋" panose="02010600040101010101" pitchFamily="2" charset="-122"/>
+              <a:cs typeface="Times New Roman" panose="02020603050405020304" charset="0"/>
+            </a:endParaRPr>
+          </a:p>
+          <a:p>
+            <a:pPr fontAlgn="auto">
+              <a:lnSpc>
+                <a:spcPct val="200000"/>
+              </a:lnSpc>
+            </a:pPr>
+            <a:r>
+              <a:rPr lang="en-US" altLang="zh-CN" sz="1200" b="1" dirty="0">
+                <a:latin typeface="Times New Roman" panose="02020603050405020304" charset="0"/>
+                <a:ea typeface="华文中宋" panose="02010600040101010101" pitchFamily="2" charset="-122"/>
+                <a:cs typeface="Times New Roman" panose="02020603050405020304" charset="0"/>
+              </a:rPr>
+              <a:t>5. Monitoring function: the health status of each module of </a:t>
+            </a:r>
+            <a:r>
+              <a:rPr lang="en-US" altLang="zh-CN" sz="1200" b="1" dirty="0">
+                <a:latin typeface="Times New Roman" panose="02020603050405020304" charset="0"/>
+                <a:ea typeface="华文中宋" panose="02010600040101010101" pitchFamily="2" charset="-122"/>
+                <a:cs typeface="Times New Roman" panose="02020603050405020304" charset="0"/>
+                <a:sym typeface="+mn-ea"/>
+              </a:rPr>
+              <a:t>automatic driving modules.</a:t>
+            </a:r>
+            <a:endParaRPr lang="en-US" altLang="zh-CN" sz="1200" b="1" dirty="0">
+              <a:latin typeface="Times New Roman" panose="02020603050405020304" charset="0"/>
+              <a:ea typeface="华文中宋" panose="02010600040101010101" pitchFamily="2" charset="-122"/>
+              <a:cs typeface="Times New Roman" panose="02020603050405020304" charset="0"/>
+              <a:sym typeface="+mn-ea"/>
+            </a:endParaRPr>
+          </a:p>
+          <a:p>
+            <a:pPr fontAlgn="auto">
+              <a:lnSpc>
+                <a:spcPct val="200000"/>
+              </a:lnSpc>
+            </a:pPr>
+            <a:r>
+              <a:rPr lang="en-US" altLang="zh-CN" sz="1200" b="1" dirty="0">
+                <a:latin typeface="Times New Roman" panose="02020603050405020304" charset="0"/>
+                <a:ea typeface="华文中宋" panose="02010600040101010101" pitchFamily="2" charset="-122"/>
+                <a:cs typeface="Times New Roman" panose="02020603050405020304" charset="0"/>
+                <a:sym typeface="+mn-ea"/>
+              </a:rPr>
+              <a:t>6. Provides data for web application to visualize the current output of related autonomous driving modules.</a:t>
+            </a:r>
+            <a:endParaRPr lang="en-US" altLang="zh-CN" sz="1200" b="1" dirty="0">
+              <a:latin typeface="Times New Roman" panose="02020603050405020304" charset="0"/>
+              <a:ea typeface="华文中宋" panose="02010600040101010101" pitchFamily="2" charset="-122"/>
+              <a:cs typeface="Times New Roman" panose="02020603050405020304" charset="0"/>
+              <a:sym typeface="+mn-ea"/>
+            </a:endParaRPr>
+          </a:p>
+          <a:p>
+            <a:pPr fontAlgn="auto">
+              <a:lnSpc>
+                <a:spcPct val="200000"/>
+              </a:lnSpc>
+            </a:pPr>
+            <a:r>
+              <a:rPr lang="en-US" altLang="zh-CN" sz="1200" b="1" dirty="0">
+                <a:latin typeface="Times New Roman" panose="02020603050405020304" charset="0"/>
+                <a:ea typeface="华文中宋" panose="02010600040101010101" pitchFamily="2" charset="-122"/>
+                <a:cs typeface="Times New Roman" panose="02020603050405020304" charset="0"/>
+                <a:sym typeface="+mn-ea"/>
+              </a:rPr>
+              <a:t>etc...</a:t>
+            </a:r>
+            <a:endParaRPr lang="en-US" altLang="zh-CN" sz="1200" b="1" dirty="0">
+              <a:latin typeface="Times New Roman" panose="02020603050405020304" charset="0"/>
+              <a:ea typeface="华文中宋" panose="02010600040101010101" pitchFamily="2" charset="-122"/>
+              <a:cs typeface="Times New Roman" panose="02020603050405020304" charset="0"/>
+            </a:endParaRPr>
+          </a:p>
+        </p:txBody>
+      </p:sp>
       <p:sp>
         <p:nvSpPr>
           <p:cNvPr id="5" name="文本框 4"/>
           <p:cNvSpPr txBox="1"/>
           <p:nvPr>
             <p:custDataLst>
-              <p:tags r:id="rId3"/>
+              <p:tags r:id="rId1"/>
             </p:custDataLst>
           </p:nvPr>
         </p:nvSpPr>
@@ -6174,7 +6314,7 @@
                 <a:ea typeface="华文中宋" panose="02010600040101010101" pitchFamily="2" charset="-122"/>
                 <a:cs typeface="Times New Roman" panose="02020603050405020304" charset="0"/>
               </a:rPr>
-              <a:t>About Me</a:t>
+              <a:t>Work Experience</a:t>
             </a:r>
             <a:endParaRPr lang="en-US" sz="4000" b="1" dirty="0">
               <a:solidFill>
@@ -6187,53 +6327,13 @@
           </a:p>
         </p:txBody>
       </p:sp>
-      <p:pic>
-        <p:nvPicPr>
-          <p:cNvPr id="6" name="图片 5"/>
-          <p:cNvPicPr>
-            <a:picLocks noChangeAspect="1"/>
-          </p:cNvPicPr>
-          <p:nvPr>
-            <p:custDataLst>
-              <p:tags r:id="rId4"/>
-            </p:custDataLst>
-          </p:nvPr>
-        </p:nvPicPr>
-        <p:blipFill rotWithShape="1">
-          <a:blip r:embed="rId5">
-            <a:clrChange>
-              <a:clrFrom>
-                <a:srgbClr val="FFFFFF"/>
-              </a:clrFrom>
-              <a:clrTo>
-                <a:srgbClr val="FFFFFF">
-                  <a:alpha val="0"/>
-                </a:srgbClr>
-              </a:clrTo>
-            </a:clrChange>
-          </a:blip>
-          <a:srcRect t="14294" b="28213"/>
-          <a:stretch>
-            <a:fillRect/>
-          </a:stretch>
-        </p:blipFill>
-        <p:spPr>
-          <a:xfrm>
-            <a:off x="3919855" y="4646930"/>
-            <a:ext cx="4354830" cy="2485390"/>
-          </a:xfrm>
-          <a:prstGeom prst="rect">
-            <a:avLst/>
-          </a:prstGeom>
-        </p:spPr>
-      </p:pic>
       <p:sp>
         <p:nvSpPr>
           <p:cNvPr id="8" name="矩形: 圆角 26"/>
           <p:cNvSpPr/>
           <p:nvPr>
             <p:custDataLst>
-              <p:tags r:id="rId6"/>
+              <p:tags r:id="rId2"/>
             </p:custDataLst>
           </p:nvPr>
         </p:nvSpPr>
@@ -6284,7 +6384,7 @@
           <p:cNvSpPr/>
           <p:nvPr>
             <p:custDataLst>
-              <p:tags r:id="rId7"/>
+              <p:tags r:id="rId3"/>
             </p:custDataLst>
           </p:nvPr>
         </p:nvSpPr>
@@ -6329,146 +6429,62 @@
           </a:p>
         </p:txBody>
       </p:sp>
-      <p:sp>
-        <p:nvSpPr>
-          <p:cNvPr id="3" name="文本框 2"/>
-          <p:cNvSpPr txBox="1"/>
+      <p:pic>
+        <p:nvPicPr>
+          <p:cNvPr id="4" name="图片 3"/>
+          <p:cNvPicPr>
+            <a:picLocks noChangeAspect="1"/>
+          </p:cNvPicPr>
           <p:nvPr>
             <p:custDataLst>
-              <p:tags r:id="rId8"/>
+              <p:tags r:id="rId4"/>
             </p:custDataLst>
           </p:nvPr>
-        </p:nvSpPr>
-        <p:spPr>
-          <a:xfrm>
-            <a:off x="735330" y="1379855"/>
-            <a:ext cx="4523105" cy="4699000"/>
+        </p:nvPicPr>
+        <p:blipFill>
+          <a:blip r:embed="rId5"/>
+          <a:stretch>
+            <a:fillRect/>
+          </a:stretch>
+        </p:blipFill>
+        <p:spPr>
+          <a:xfrm>
+            <a:off x="5715" y="159385"/>
+            <a:ext cx="2324100" cy="733425"/>
           </a:xfrm>
           <a:prstGeom prst="rect">
             <a:avLst/>
           </a:prstGeom>
-          <a:noFill/>
-        </p:spPr>
-        <p:txBody>
-          <a:bodyPr wrap="square" rtlCol="0">
-            <a:noAutofit/>
-          </a:bodyPr>
-          <a:p>
-            <a:pPr fontAlgn="auto">
-              <a:lnSpc>
-                <a:spcPct val="200000"/>
-              </a:lnSpc>
-            </a:pPr>
-            <a:r>
-              <a:rPr lang="en-US" sz="2400" b="1" dirty="0">
-                <a:latin typeface="Times New Roman" panose="02020603050405020304" charset="0"/>
-                <a:ea typeface="华文中宋" panose="02010600040101010101" pitchFamily="2" charset="-122"/>
-                <a:cs typeface="Times New Roman" panose="02020603050405020304" charset="0"/>
-              </a:rPr>
-              <a:t>P</a:t>
-            </a:r>
-            <a:r>
-              <a:rPr sz="2400" b="1" dirty="0">
-                <a:latin typeface="Times New Roman" panose="02020603050405020304" charset="0"/>
-                <a:ea typeface="华文中宋" panose="02010600040101010101" pitchFamily="2" charset="-122"/>
-                <a:cs typeface="Times New Roman" panose="02020603050405020304" charset="0"/>
-              </a:rPr>
-              <a:t>rofessional skill</a:t>
-            </a:r>
-            <a:r>
-              <a:rPr lang="en-US" sz="2400" b="1" dirty="0">
-                <a:latin typeface="Times New Roman" panose="02020603050405020304" charset="0"/>
-                <a:ea typeface="华文中宋" panose="02010600040101010101" pitchFamily="2" charset="-122"/>
-                <a:cs typeface="Times New Roman" panose="02020603050405020304" charset="0"/>
-              </a:rPr>
-              <a:t>:</a:t>
-            </a:r>
-            <a:endParaRPr lang="en-US" sz="2400" b="1" dirty="0">
-              <a:latin typeface="Times New Roman" panose="02020603050405020304" charset="0"/>
-              <a:ea typeface="华文中宋" panose="02010600040101010101" pitchFamily="2" charset="-122"/>
-              <a:cs typeface="Times New Roman" panose="02020603050405020304" charset="0"/>
-            </a:endParaRPr>
-          </a:p>
-          <a:p>
-            <a:pPr fontAlgn="auto">
-              <a:lnSpc>
-                <a:spcPct val="200000"/>
-              </a:lnSpc>
-            </a:pPr>
-            <a:r>
-              <a:rPr lang="en-US" b="1" dirty="0">
-                <a:latin typeface="Times New Roman" panose="02020603050405020304" charset="0"/>
-                <a:ea typeface="华文中宋" panose="02010600040101010101" pitchFamily="2" charset="-122"/>
-                <a:cs typeface="Times New Roman" panose="02020603050405020304" charset="0"/>
-              </a:rPr>
-              <a:t>C++, Python</a:t>
-            </a:r>
-            <a:endParaRPr lang="en-US" b="1" dirty="0">
-              <a:latin typeface="Times New Roman" panose="02020603050405020304" charset="0"/>
-              <a:ea typeface="华文中宋" panose="02010600040101010101" pitchFamily="2" charset="-122"/>
-              <a:cs typeface="Times New Roman" panose="02020603050405020304" charset="0"/>
-            </a:endParaRPr>
-          </a:p>
-          <a:p>
-            <a:pPr fontAlgn="auto">
-              <a:lnSpc>
-                <a:spcPct val="200000"/>
-              </a:lnSpc>
-            </a:pPr>
-            <a:endParaRPr lang="en-US" b="1" dirty="0">
-              <a:latin typeface="Times New Roman" panose="02020603050405020304" charset="0"/>
-              <a:ea typeface="华文中宋" panose="02010600040101010101" pitchFamily="2" charset="-122"/>
-              <a:cs typeface="Times New Roman" panose="02020603050405020304" charset="0"/>
-            </a:endParaRPr>
-          </a:p>
-        </p:txBody>
-      </p:sp>
-      <p:sp>
-        <p:nvSpPr>
-          <p:cNvPr id="4" name="文本框 3"/>
-          <p:cNvSpPr txBox="1"/>
+        </p:spPr>
+      </p:pic>
+      <p:pic>
+        <p:nvPicPr>
+          <p:cNvPr id="3" name="图片 2"/>
+          <p:cNvPicPr>
+            <a:picLocks noChangeAspect="1"/>
+          </p:cNvPicPr>
           <p:nvPr>
             <p:custDataLst>
-              <p:tags r:id="rId9"/>
+              <p:tags r:id="rId6"/>
             </p:custDataLst>
           </p:nvPr>
-        </p:nvSpPr>
-        <p:spPr>
-          <a:xfrm>
-            <a:off x="7089140" y="1379855"/>
-            <a:ext cx="4523105" cy="4699000"/>
+        </p:nvPicPr>
+        <p:blipFill>
+          <a:blip r:embed="rId7"/>
+          <a:stretch>
+            <a:fillRect/>
+          </a:stretch>
+        </p:blipFill>
+        <p:spPr>
+          <a:xfrm>
+            <a:off x="4066540" y="5307965"/>
+            <a:ext cx="3989705" cy="1509395"/>
           </a:xfrm>
           <a:prstGeom prst="rect">
             <a:avLst/>
           </a:prstGeom>
-          <a:noFill/>
-        </p:spPr>
-        <p:txBody>
-          <a:bodyPr wrap="square" rtlCol="0">
-            <a:noAutofit/>
-          </a:bodyPr>
-          <a:p>
-            <a:pPr fontAlgn="auto">
-              <a:lnSpc>
-                <a:spcPct val="200000"/>
-              </a:lnSpc>
-            </a:pPr>
-            <a:r>
-              <a:rPr lang="en-US" sz="2400" b="1" dirty="0">
-                <a:latin typeface="Times New Roman" panose="02020603050405020304" charset="0"/>
-                <a:ea typeface="华文中宋" panose="02010600040101010101" pitchFamily="2" charset="-122"/>
-                <a:cs typeface="Times New Roman" panose="02020603050405020304" charset="0"/>
-              </a:rPr>
-              <a:t>Hobby:</a:t>
-            </a:r>
-            <a:endParaRPr lang="en-US" sz="2400" b="1" dirty="0">
-              <a:latin typeface="Times New Roman" panose="02020603050405020304" charset="0"/>
-              <a:ea typeface="华文中宋" panose="02010600040101010101" pitchFamily="2" charset="-122"/>
-              <a:cs typeface="Times New Roman" panose="02020603050405020304" charset="0"/>
-            </a:endParaRPr>
-          </a:p>
-        </p:txBody>
-      </p:sp>
+        </p:spPr>
+      </p:pic>
     </p:spTree>
   </p:cSld>
   <p:clrMapOvr>
@@ -6716,7 +6732,7 @@
                 <a:ea typeface="华文中宋" panose="02010600040101010101" pitchFamily="2" charset="-122"/>
                 <a:cs typeface="Times New Roman" panose="02020603050405020304" charset="0"/>
               </a:rPr>
-              <a:t>2023.04.08</a:t>
+              <a:t>2023.04.11</a:t>
             </a:r>
             <a:endParaRPr lang="zh-CN" altLang="en-US" sz="2000" b="1" dirty="0">
               <a:solidFill>
@@ -6888,18 +6904,6 @@
 </file>
 
 <file path=ppt/tags/tag25.xml><?xml version="1.0" encoding="utf-8"?>
-<p:tagLst xmlns:p="http://schemas.openxmlformats.org/presentationml/2006/main">
-  <p:tag name="KSO_WM_BEAUTIFY_FLAG" val=""/>
-</p:tagLst>
-</file>
-
-<file path=ppt/tags/tag26.xml><?xml version="1.0" encoding="utf-8"?>
-<p:tagLst xmlns:p="http://schemas.openxmlformats.org/presentationml/2006/main">
-  <p:tag name="KSO_WM_BEAUTIFY_FLAG" val=""/>
-</p:tagLst>
-</file>
-
-<file path=ppt/tags/tag27.xml><?xml version="1.0" encoding="utf-8"?>
 <p:tagLst xmlns:p="http://schemas.openxmlformats.org/presentationml/2006/main">
   <p:tag name="COMMONDATA" val="eyJoZGlkIjoiMmEyNjJmYmVkMDQyYTMyM2Q1ODk4MDEwNDg2NGNjMTMifQ=="/>
   <p:tag name="KSO_WPP_MARK_KEY" val="2388c654-791b-4c41-be13-b0778cfbe923"/>
